--- a/Texto/Презентация_ВКР.pptx
+++ b/Texto/Презентация_ВКР.pptx
@@ -5,7 +5,7 @@
     <p:sldMasterId id="2147483672" r:id="rId1"/>
   </p:sldMasterIdLst>
   <p:notesMasterIdLst>
-    <p:notesMasterId r:id="rId17"/>
+    <p:notesMasterId r:id="rId19"/>
   </p:notesMasterIdLst>
   <p:sldIdLst>
     <p:sldId id="256" r:id="rId2"/>
@@ -20,9 +20,11 @@
     <p:sldId id="279" r:id="rId11"/>
     <p:sldId id="287" r:id="rId12"/>
     <p:sldId id="281" r:id="rId13"/>
-    <p:sldId id="274" r:id="rId14"/>
-    <p:sldId id="283" r:id="rId15"/>
-    <p:sldId id="285" r:id="rId16"/>
+    <p:sldId id="289" r:id="rId14"/>
+    <p:sldId id="274" r:id="rId15"/>
+    <p:sldId id="283" r:id="rId16"/>
+    <p:sldId id="285" r:id="rId17"/>
+    <p:sldId id="288" r:id="rId18"/>
   </p:sldIdLst>
   <p:sldSz cx="9144000" cy="6858000" type="screen4x3"/>
   <p:notesSz cx="6858000" cy="9144000"/>
@@ -214,24 +216,24 @@
             </c:numRef>
           </c:val>
         </c:ser>
-        <c:axId val="67640704"/>
-        <c:axId val="120268672"/>
+        <c:axId val="107229568"/>
+        <c:axId val="107231104"/>
       </c:barChart>
       <c:catAx>
-        <c:axId val="67640704"/>
+        <c:axId val="107229568"/>
         <c:scaling>
           <c:orientation val="minMax"/>
         </c:scaling>
         <c:axPos val="b"/>
         <c:tickLblPos val="nextTo"/>
-        <c:crossAx val="120268672"/>
+        <c:crossAx val="107231104"/>
         <c:crosses val="autoZero"/>
         <c:auto val="1"/>
         <c:lblAlgn val="ctr"/>
         <c:lblOffset val="100"/>
       </c:catAx>
       <c:valAx>
-        <c:axId val="120268672"/>
+        <c:axId val="107231104"/>
         <c:scaling>
           <c:orientation val="minMax"/>
         </c:scaling>
@@ -266,7 +268,7 @@
         </c:title>
         <c:numFmt formatCode="General" sourceLinked="1"/>
         <c:tickLblPos val="nextTo"/>
-        <c:crossAx val="67640704"/>
+        <c:crossAx val="107229568"/>
         <c:crosses val="autoZero"/>
         <c:crossBetween val="between"/>
       </c:valAx>
@@ -370,24 +372,24 @@
             </c:numRef>
           </c:val>
         </c:ser>
-        <c:axId val="68265856"/>
-        <c:axId val="68267392"/>
+        <c:axId val="107271680"/>
+        <c:axId val="107273216"/>
       </c:barChart>
       <c:catAx>
-        <c:axId val="68265856"/>
+        <c:axId val="107271680"/>
         <c:scaling>
           <c:orientation val="minMax"/>
         </c:scaling>
         <c:axPos val="b"/>
         <c:tickLblPos val="nextTo"/>
-        <c:crossAx val="68267392"/>
+        <c:crossAx val="107273216"/>
         <c:crosses val="autoZero"/>
         <c:auto val="1"/>
         <c:lblAlgn val="ctr"/>
         <c:lblOffset val="100"/>
       </c:catAx>
       <c:valAx>
-        <c:axId val="68267392"/>
+        <c:axId val="107273216"/>
         <c:scaling>
           <c:orientation val="minMax"/>
         </c:scaling>
@@ -417,7 +419,7 @@
         </c:title>
         <c:numFmt formatCode="General" sourceLinked="1"/>
         <c:tickLblPos val="nextTo"/>
-        <c:crossAx val="68265856"/>
+        <c:crossAx val="107271680"/>
         <c:crosses val="autoZero"/>
         <c:crossBetween val="between"/>
       </c:valAx>
@@ -511,7 +513,7 @@
             <a:fld id="{F7C0EE52-1689-43D3-99C2-086999C47DBF}" type="datetimeFigureOut">
               <a:rPr lang="ru-RU" smtClean="0"/>
               <a:pPr/>
-              <a:t>22.06.2021</a:t>
+              <a:t>23.06.2021</a:t>
             </a:fld>
             <a:endParaRPr lang="ru-RU"/>
           </a:p>
@@ -1436,7 +1438,7 @@
             <a:fld id="{560B80B4-5C63-4295-A344-DB0D2D4D46B2}" type="datetime1">
               <a:rPr lang="ru-RU" smtClean="0"/>
               <a:pPr/>
-              <a:t>22.06.2021</a:t>
+              <a:t>23.06.2021</a:t>
             </a:fld>
             <a:endParaRPr lang="ru-RU"/>
           </a:p>
@@ -1621,7 +1623,7 @@
             <a:fld id="{81AAE2B5-8AF1-47C8-8B6D-CCE02F864F7A}" type="datetime1">
               <a:rPr lang="ru-RU" smtClean="0"/>
               <a:pPr/>
-              <a:t>22.06.2021</a:t>
+              <a:t>23.06.2021</a:t>
             </a:fld>
             <a:endParaRPr lang="ru-RU"/>
           </a:p>
@@ -1798,7 +1800,7 @@
             <a:fld id="{9DC85D57-6884-4561-8984-78D8151A680A}" type="datetime1">
               <a:rPr lang="ru-RU" smtClean="0"/>
               <a:pPr/>
-              <a:t>22.06.2021</a:t>
+              <a:t>23.06.2021</a:t>
             </a:fld>
             <a:endParaRPr lang="ru-RU"/>
           </a:p>
@@ -1965,7 +1967,7 @@
             <a:fld id="{75C27046-7986-4AC5-A444-8C83C14A9AD0}" type="datetime1">
               <a:rPr lang="ru-RU" smtClean="0"/>
               <a:pPr/>
-              <a:t>22.06.2021</a:t>
+              <a:t>23.06.2021</a:t>
             </a:fld>
             <a:endParaRPr lang="ru-RU"/>
           </a:p>
@@ -2188,7 +2190,7 @@
             <a:fld id="{182B3535-CD13-4C46-93C3-A37627F273C4}" type="datetime1">
               <a:rPr lang="ru-RU" smtClean="0"/>
               <a:pPr/>
-              <a:t>22.06.2021</a:t>
+              <a:t>23.06.2021</a:t>
             </a:fld>
             <a:endParaRPr lang="ru-RU"/>
           </a:p>
@@ -2449,7 +2451,7 @@
             <a:fld id="{9F7114C2-4E15-46B4-BBBB-0D3F064FB0C1}" type="datetime1">
               <a:rPr lang="ru-RU" smtClean="0"/>
               <a:pPr/>
-              <a:t>22.06.2021</a:t>
+              <a:t>23.06.2021</a:t>
             </a:fld>
             <a:endParaRPr lang="ru-RU"/>
           </a:p>
@@ -2855,7 +2857,7 @@
             <a:fld id="{A7B79DA2-5B70-4B3D-8497-EE938CFD3C8F}" type="datetime1">
               <a:rPr lang="ru-RU" smtClean="0"/>
               <a:pPr/>
-              <a:t>22.06.2021</a:t>
+              <a:t>23.06.2021</a:t>
             </a:fld>
             <a:endParaRPr lang="ru-RU"/>
           </a:p>
@@ -2988,7 +2990,7 @@
             <a:fld id="{0A1915C2-C605-482E-A0AA-CC53D97856E1}" type="datetime1">
               <a:rPr lang="ru-RU" smtClean="0"/>
               <a:pPr/>
-              <a:t>22.06.2021</a:t>
+              <a:t>23.06.2021</a:t>
             </a:fld>
             <a:endParaRPr lang="ru-RU"/>
           </a:p>
@@ -3090,7 +3092,7 @@
             <a:fld id="{E8A6AD2B-8AE7-4DC0-A321-3D87077CFCA3}" type="datetime1">
               <a:rPr lang="ru-RU" smtClean="0"/>
               <a:pPr/>
-              <a:t>22.06.2021</a:t>
+              <a:t>23.06.2021</a:t>
             </a:fld>
             <a:endParaRPr lang="ru-RU"/>
           </a:p>
@@ -3337,7 +3339,7 @@
             <a:fld id="{2CF6FB4E-0C23-445E-A5C8-C32A362544B5}" type="datetime1">
               <a:rPr lang="ru-RU" smtClean="0"/>
               <a:pPr/>
-              <a:t>22.06.2021</a:t>
+              <a:t>23.06.2021</a:t>
             </a:fld>
             <a:endParaRPr lang="ru-RU"/>
           </a:p>
@@ -3583,7 +3585,7 @@
             <a:fld id="{9E42E9C8-90D6-4E0C-ABEA-CB9ED5645CF3}" type="datetime1">
               <a:rPr lang="ru-RU" smtClean="0"/>
               <a:pPr/>
-              <a:t>22.06.2021</a:t>
+              <a:t>23.06.2021</a:t>
             </a:fld>
             <a:endParaRPr lang="ru-RU"/>
           </a:p>
@@ -4409,7 +4411,7 @@
             <a:fld id="{6252B893-00FE-4BCD-9375-1295C09CEADB}" type="datetime1">
               <a:rPr lang="ru-RU" smtClean="0"/>
               <a:pPr/>
-              <a:t>22.06.2021</a:t>
+              <a:t>23.06.2021</a:t>
             </a:fld>
             <a:endParaRPr lang="ru-RU"/>
           </a:p>
@@ -5508,6 +5510,13 @@
   <p:clrMapOvr>
     <a:masterClrMapping/>
   </p:clrMapOvr>
+  <p:timing>
+    <p:tnLst>
+      <p:par>
+        <p:cTn id="1" dur="indefinite" restart="never" nodeType="tmRoot"/>
+      </p:par>
+    </p:tnLst>
+  </p:timing>
 </p:sld>
 </file>
 
@@ -5621,6 +5630,13 @@
   <p:clrMapOvr>
     <a:masterClrMapping/>
   </p:clrMapOvr>
+  <p:timing>
+    <p:tnLst>
+      <p:par>
+        <p:cTn id="1" dur="indefinite" restart="never" nodeType="tmRoot"/>
+      </p:par>
+    </p:tnLst>
+  </p:timing>
 </p:sld>
 </file>
 
@@ -5995,6 +6011,13 @@
   <p:clrMapOvr>
     <a:masterClrMapping/>
   </p:clrMapOvr>
+  <p:timing>
+    <p:tnLst>
+      <p:par>
+        <p:cTn id="1" dur="indefinite" restart="never" nodeType="tmRoot"/>
+      </p:par>
+    </p:tnLst>
+  </p:timing>
 </p:sld>
 </file>
 
@@ -6025,45 +6048,182 @@
             <p:ph type="title"/>
           </p:nvPr>
         </p:nvSpPr>
+        <p:spPr/>
+        <p:txBody>
+          <a:bodyPr/>
+          <a:lstStyle/>
+          <a:p>
+            <a:r>
+              <a:rPr lang="ru-RU" dirty="0" err="1" smtClean="0"/>
+              <a:t>Equal</a:t>
+            </a:r>
+            <a:r>
+              <a:rPr lang="ru-RU" dirty="0" smtClean="0"/>
+              <a:t> </a:t>
+            </a:r>
+            <a:r>
+              <a:rPr lang="ru-RU" dirty="0" err="1" smtClean="0"/>
+              <a:t>Error</a:t>
+            </a:r>
+            <a:r>
+              <a:rPr lang="ru-RU" dirty="0" smtClean="0"/>
+              <a:t> </a:t>
+            </a:r>
+            <a:r>
+              <a:rPr lang="ru-RU" smtClean="0"/>
+              <a:t>Rate</a:t>
+            </a:r>
+            <a:endParaRPr lang="ru-RU"/>
+          </a:p>
+        </p:txBody>
+      </p:sp>
+      <p:sp>
+        <p:nvSpPr>
+          <p:cNvPr id="3" name="Содержимое 2"/>
+          <p:cNvSpPr>
+            <a:spLocks noGrp="1"/>
+          </p:cNvSpPr>
+          <p:nvPr>
+            <p:ph idx="1"/>
+          </p:nvPr>
+        </p:nvSpPr>
         <p:spPr>
           <a:xfrm>
-            <a:off x="467544" y="620688"/>
-            <a:ext cx="8229600" cy="1066800"/>
-          </a:xfrm>
-        </p:spPr>
+            <a:off x="5148064" y="2204864"/>
+            <a:ext cx="3538736" cy="4369672"/>
+          </a:xfrm>
+        </p:spPr>
+        <p:txBody>
+          <a:bodyPr>
+            <a:normAutofit fontScale="70000" lnSpcReduction="20000"/>
+          </a:bodyPr>
+          <a:lstStyle/>
+          <a:p>
+            <a:r>
+              <a:rPr lang="ru-RU" dirty="0" smtClean="0"/>
+              <a:t>FRR (</a:t>
+            </a:r>
+            <a:r>
+              <a:rPr lang="ru-RU" dirty="0" err="1" smtClean="0"/>
+              <a:t>False</a:t>
+            </a:r>
+            <a:r>
+              <a:rPr lang="ru-RU" dirty="0" smtClean="0"/>
+              <a:t> </a:t>
+            </a:r>
+            <a:r>
+              <a:rPr lang="ru-RU" dirty="0" err="1" smtClean="0"/>
+              <a:t>Rejection</a:t>
+            </a:r>
+            <a:r>
+              <a:rPr lang="ru-RU" dirty="0" smtClean="0"/>
+              <a:t> </a:t>
+            </a:r>
+            <a:r>
+              <a:rPr lang="ru-RU" dirty="0" err="1" smtClean="0"/>
+              <a:t>Rate</a:t>
+            </a:r>
+            <a:r>
+              <a:rPr lang="ru-RU" dirty="0" smtClean="0"/>
+              <a:t>) - вероятность ошибки первого рода, то есть вероятность отказа "своему“</a:t>
+            </a:r>
+            <a:endParaRPr lang="en-US" dirty="0" smtClean="0"/>
+          </a:p>
+          <a:p>
+            <a:r>
+              <a:rPr lang="ru-RU" dirty="0" smtClean="0"/>
+              <a:t>FAR (</a:t>
+            </a:r>
+            <a:r>
+              <a:rPr lang="ru-RU" dirty="0" err="1" smtClean="0"/>
+              <a:t>False</a:t>
+            </a:r>
+            <a:r>
+              <a:rPr lang="ru-RU" dirty="0" smtClean="0"/>
+              <a:t> </a:t>
+            </a:r>
+            <a:r>
+              <a:rPr lang="ru-RU" dirty="0" err="1" smtClean="0"/>
+              <a:t>Acceptance</a:t>
+            </a:r>
+            <a:r>
+              <a:rPr lang="ru-RU" dirty="0" smtClean="0"/>
+              <a:t> </a:t>
+            </a:r>
+            <a:r>
+              <a:rPr lang="ru-RU" dirty="0" err="1" smtClean="0"/>
+              <a:t>Rate</a:t>
+            </a:r>
+            <a:r>
+              <a:rPr lang="ru-RU" dirty="0" smtClean="0"/>
+              <a:t>) - вероятность ошибки второго рода, то есть вероятность пропуска "чужого".</a:t>
+            </a:r>
+            <a:endParaRPr lang="en-US" dirty="0" smtClean="0"/>
+          </a:p>
+          <a:p>
+            <a:r>
+              <a:rPr lang="ru-RU" dirty="0" smtClean="0"/>
+              <a:t>EER (</a:t>
+            </a:r>
+            <a:r>
+              <a:rPr lang="ru-RU" dirty="0" err="1" smtClean="0"/>
+              <a:t>Equal</a:t>
+            </a:r>
+            <a:r>
+              <a:rPr lang="ru-RU" dirty="0" smtClean="0"/>
+              <a:t> </a:t>
+            </a:r>
+            <a:r>
+              <a:rPr lang="ru-RU" dirty="0" err="1" smtClean="0"/>
+              <a:t>Error</a:t>
+            </a:r>
+            <a:r>
+              <a:rPr lang="ru-RU" dirty="0" smtClean="0"/>
+              <a:t> </a:t>
+            </a:r>
+            <a:r>
+              <a:rPr lang="ru-RU" dirty="0" err="1" smtClean="0"/>
+              <a:t>Rate</a:t>
+            </a:r>
+            <a:r>
+              <a:rPr lang="ru-RU" dirty="0" smtClean="0"/>
+              <a:t>) - уровень ошибок биометрической системы доступа, при котором FAR и FRR равны</a:t>
+            </a:r>
+            <a:endParaRPr lang="ru-RU" dirty="0"/>
+          </a:p>
+        </p:txBody>
+      </p:sp>
+      <p:sp>
+        <p:nvSpPr>
+          <p:cNvPr id="4" name="Номер слайда 3"/>
+          <p:cNvSpPr>
+            <a:spLocks noGrp="1"/>
+          </p:cNvSpPr>
+          <p:nvPr>
+            <p:ph type="sldNum" sz="quarter" idx="12"/>
+          </p:nvPr>
+        </p:nvSpPr>
+        <p:spPr/>
         <p:txBody>
           <a:bodyPr/>
           <a:lstStyle/>
           <a:p>
-            <a:r>
-              <a:rPr lang="en-US" dirty="0" smtClean="0"/>
-              <a:t>DET </a:t>
-            </a:r>
-            <a:r>
-              <a:rPr lang="ru-RU" dirty="0" smtClean="0"/>
-              <a:t>и </a:t>
-            </a:r>
-            <a:r>
-              <a:rPr lang="en-US" dirty="0" smtClean="0"/>
-              <a:t>ROC </a:t>
-            </a:r>
-            <a:r>
-              <a:rPr lang="ru-RU" dirty="0" smtClean="0"/>
-              <a:t>кривые</a:t>
-            </a:r>
-            <a:endParaRPr lang="ru-RU" dirty="0"/>
+            <a:fld id="{1A362FB9-0C60-4673-AD56-DE00B5C40EDA}" type="slidenum">
+              <a:rPr lang="ru-RU" smtClean="0"/>
+              <a:pPr/>
+              <a:t>13</a:t>
+            </a:fld>
+            <a:endParaRPr lang="ru-RU"/>
           </a:p>
         </p:txBody>
       </p:sp>
       <p:pic>
         <p:nvPicPr>
-          <p:cNvPr id="5" name="Содержимое 4" descr="DET"/>
+          <p:cNvPr id="1026" name="Picture 2" descr="C:\Users\CXXY\Desktop\468143_1_En_43_Fig2_HTML.gif"/>
           <p:cNvPicPr>
-            <a:picLocks noGrp="1"/>
+            <a:picLocks noChangeAspect="1" noChangeArrowheads="1"/>
           </p:cNvPicPr>
-          <p:nvPr>
-            <p:ph idx="1"/>
-          </p:nvPr>
+          <p:nvPr/>
         </p:nvPicPr>
         <p:blipFill>
           <a:blip r:embed="rId2" cstate="print"/>
@@ -6074,331 +6234,15 @@
         </p:blipFill>
         <p:spPr bwMode="auto">
           <a:xfrm>
-            <a:off x="539552" y="1556792"/>
-            <a:ext cx="3275896" cy="2303944"/>
+            <a:off x="467544" y="3140968"/>
+            <a:ext cx="4324351" cy="2305050"/>
           </a:xfrm>
           <a:prstGeom prst="rect">
             <a:avLst/>
           </a:prstGeom>
           <a:noFill/>
-          <a:ln w="9525">
-            <a:noFill/>
-            <a:miter lim="800000"/>
-            <a:headEnd/>
-            <a:tailEnd/>
-          </a:ln>
         </p:spPr>
       </p:pic>
-      <p:sp>
-        <p:nvSpPr>
-          <p:cNvPr id="6" name="TextBox 5"/>
-          <p:cNvSpPr txBox="1"/>
-          <p:nvPr/>
-        </p:nvSpPr>
-        <p:spPr>
-          <a:xfrm>
-            <a:off x="456743" y="3819359"/>
-            <a:ext cx="3395177" cy="338554"/>
-          </a:xfrm>
-          <a:prstGeom prst="rect">
-            <a:avLst/>
-          </a:prstGeom>
-          <a:noFill/>
-        </p:spPr>
-        <p:txBody>
-          <a:bodyPr wrap="square" rtlCol="0">
-            <a:spAutoFit/>
-          </a:bodyPr>
-          <a:lstStyle/>
-          <a:p>
-            <a:pPr algn="ctr"/>
-            <a:r>
-              <a:rPr lang="en-US" sz="1600" dirty="0" smtClean="0">
-                <a:latin typeface="Times New Roman" pitchFamily="18" charset="0"/>
-                <a:cs typeface="Times New Roman" pitchFamily="18" charset="0"/>
-              </a:rPr>
-              <a:t>DET-</a:t>
-            </a:r>
-            <a:r>
-              <a:rPr lang="ru-RU" sz="1600" dirty="0" smtClean="0">
-                <a:latin typeface="Times New Roman" pitchFamily="18" charset="0"/>
-                <a:cs typeface="Times New Roman" pitchFamily="18" charset="0"/>
-              </a:rPr>
-              <a:t>кривая для </a:t>
-            </a:r>
-            <a:r>
-              <a:rPr lang="en-US" sz="1600" dirty="0" smtClean="0">
-                <a:latin typeface="Times New Roman" pitchFamily="18" charset="0"/>
-                <a:cs typeface="Times New Roman" pitchFamily="18" charset="0"/>
-              </a:rPr>
-              <a:t>ResNet18</a:t>
-            </a:r>
-            <a:endParaRPr lang="ru-RU" sz="1600" dirty="0">
-              <a:latin typeface="Times New Roman" pitchFamily="18" charset="0"/>
-              <a:cs typeface="Times New Roman" pitchFamily="18" charset="0"/>
-            </a:endParaRPr>
-          </a:p>
-        </p:txBody>
-      </p:sp>
-      <p:sp>
-        <p:nvSpPr>
-          <p:cNvPr id="8" name="TextBox 7"/>
-          <p:cNvSpPr txBox="1"/>
-          <p:nvPr/>
-        </p:nvSpPr>
-        <p:spPr>
-          <a:xfrm>
-            <a:off x="5364088" y="3789040"/>
-            <a:ext cx="2952328" cy="338554"/>
-          </a:xfrm>
-          <a:prstGeom prst="rect">
-            <a:avLst/>
-          </a:prstGeom>
-          <a:noFill/>
-        </p:spPr>
-        <p:txBody>
-          <a:bodyPr wrap="square" rtlCol="0">
-            <a:spAutoFit/>
-          </a:bodyPr>
-          <a:lstStyle/>
-          <a:p>
-            <a:pPr algn="ctr"/>
-            <a:r>
-              <a:rPr lang="en-US" sz="1600" dirty="0" smtClean="0">
-                <a:latin typeface="Times New Roman" pitchFamily="18" charset="0"/>
-                <a:cs typeface="Times New Roman" pitchFamily="18" charset="0"/>
-              </a:rPr>
-              <a:t>DET-</a:t>
-            </a:r>
-            <a:r>
-              <a:rPr lang="ru-RU" sz="1600" dirty="0" smtClean="0">
-                <a:latin typeface="Times New Roman" pitchFamily="18" charset="0"/>
-                <a:cs typeface="Times New Roman" pitchFamily="18" charset="0"/>
-              </a:rPr>
-              <a:t>кривая для </a:t>
-            </a:r>
-            <a:r>
-              <a:rPr lang="en-US" sz="1600" dirty="0" smtClean="0">
-                <a:latin typeface="Times New Roman" pitchFamily="18" charset="0"/>
-                <a:cs typeface="Times New Roman" pitchFamily="18" charset="0"/>
-              </a:rPr>
-              <a:t>ResNet34</a:t>
-            </a:r>
-            <a:endParaRPr lang="ru-RU" sz="1600" dirty="0">
-              <a:latin typeface="Times New Roman" pitchFamily="18" charset="0"/>
-              <a:cs typeface="Times New Roman" pitchFamily="18" charset="0"/>
-            </a:endParaRPr>
-          </a:p>
-        </p:txBody>
-      </p:sp>
-      <p:pic>
-        <p:nvPicPr>
-          <p:cNvPr id="4097" name="Picture 1" descr="C:\Users\CXXY\Desktop\ml\DET.png"/>
-          <p:cNvPicPr>
-            <a:picLocks noChangeAspect="1" noChangeArrowheads="1"/>
-          </p:cNvPicPr>
-          <p:nvPr/>
-        </p:nvPicPr>
-        <p:blipFill>
-          <a:blip r:embed="rId3" cstate="print"/>
-          <a:srcRect/>
-          <a:stretch>
-            <a:fillRect/>
-          </a:stretch>
-        </p:blipFill>
-        <p:spPr bwMode="auto">
-          <a:xfrm>
-            <a:off x="4968128" y="1556848"/>
-            <a:ext cx="3456300" cy="2304200"/>
-          </a:xfrm>
-          <a:prstGeom prst="rect">
-            <a:avLst/>
-          </a:prstGeom>
-          <a:noFill/>
-        </p:spPr>
-      </p:pic>
-      <p:sp>
-        <p:nvSpPr>
-          <p:cNvPr id="11" name="TextBox 10"/>
-          <p:cNvSpPr txBox="1"/>
-          <p:nvPr/>
-        </p:nvSpPr>
-        <p:spPr>
-          <a:xfrm>
-            <a:off x="827584" y="6381328"/>
-            <a:ext cx="2859344" cy="338554"/>
-          </a:xfrm>
-          <a:prstGeom prst="rect">
-            <a:avLst/>
-          </a:prstGeom>
-          <a:noFill/>
-        </p:spPr>
-        <p:txBody>
-          <a:bodyPr wrap="square" rtlCol="0">
-            <a:spAutoFit/>
-          </a:bodyPr>
-          <a:lstStyle/>
-          <a:p>
-            <a:pPr algn="ctr"/>
-            <a:r>
-              <a:rPr lang="en-US" sz="1600" dirty="0" smtClean="0">
-                <a:latin typeface="Times New Roman" pitchFamily="18" charset="0"/>
-                <a:cs typeface="Times New Roman" pitchFamily="18" charset="0"/>
-              </a:rPr>
-              <a:t>ROC-</a:t>
-            </a:r>
-            <a:r>
-              <a:rPr lang="ru-RU" sz="1600" dirty="0" smtClean="0">
-                <a:latin typeface="Times New Roman" pitchFamily="18" charset="0"/>
-                <a:cs typeface="Times New Roman" pitchFamily="18" charset="0"/>
-              </a:rPr>
-              <a:t>кривая для </a:t>
-            </a:r>
-            <a:r>
-              <a:rPr lang="en-US" sz="1600" dirty="0" smtClean="0">
-                <a:latin typeface="Times New Roman" pitchFamily="18" charset="0"/>
-                <a:cs typeface="Times New Roman" pitchFamily="18" charset="0"/>
-              </a:rPr>
-              <a:t>ResNet18</a:t>
-            </a:r>
-            <a:endParaRPr lang="ru-RU" sz="1600" dirty="0">
-              <a:latin typeface="Times New Roman" pitchFamily="18" charset="0"/>
-              <a:cs typeface="Times New Roman" pitchFamily="18" charset="0"/>
-            </a:endParaRPr>
-          </a:p>
-        </p:txBody>
-      </p:sp>
-      <p:sp>
-        <p:nvSpPr>
-          <p:cNvPr id="12" name="TextBox 11"/>
-          <p:cNvSpPr txBox="1"/>
-          <p:nvPr/>
-        </p:nvSpPr>
-        <p:spPr>
-          <a:xfrm>
-            <a:off x="5292080" y="6381328"/>
-            <a:ext cx="2859344" cy="338554"/>
-          </a:xfrm>
-          <a:prstGeom prst="rect">
-            <a:avLst/>
-          </a:prstGeom>
-          <a:noFill/>
-        </p:spPr>
-        <p:txBody>
-          <a:bodyPr wrap="square" rtlCol="0">
-            <a:spAutoFit/>
-          </a:bodyPr>
-          <a:lstStyle/>
-          <a:p>
-            <a:pPr algn="ctr"/>
-            <a:r>
-              <a:rPr lang="en-US" sz="1600" dirty="0" smtClean="0">
-                <a:latin typeface="Times New Roman" pitchFamily="18" charset="0"/>
-                <a:cs typeface="Times New Roman" pitchFamily="18" charset="0"/>
-              </a:rPr>
-              <a:t>ROC-</a:t>
-            </a:r>
-            <a:r>
-              <a:rPr lang="ru-RU" sz="1600" dirty="0" smtClean="0">
-                <a:latin typeface="Times New Roman" pitchFamily="18" charset="0"/>
-                <a:cs typeface="Times New Roman" pitchFamily="18" charset="0"/>
-              </a:rPr>
-              <a:t>кривая для </a:t>
-            </a:r>
-            <a:r>
-              <a:rPr lang="en-US" sz="1600" dirty="0" smtClean="0">
-                <a:latin typeface="Times New Roman" pitchFamily="18" charset="0"/>
-                <a:cs typeface="Times New Roman" pitchFamily="18" charset="0"/>
-              </a:rPr>
-              <a:t>ResNet34</a:t>
-            </a:r>
-            <a:endParaRPr lang="ru-RU" sz="1600" dirty="0">
-              <a:latin typeface="Times New Roman" pitchFamily="18" charset="0"/>
-              <a:cs typeface="Times New Roman" pitchFamily="18" charset="0"/>
-            </a:endParaRPr>
-          </a:p>
-        </p:txBody>
-      </p:sp>
-      <p:pic>
-        <p:nvPicPr>
-          <p:cNvPr id="13" name="Рисунок 12" descr="ROC"/>
-          <p:cNvPicPr/>
-          <p:nvPr/>
-        </p:nvPicPr>
-        <p:blipFill>
-          <a:blip r:embed="rId4" cstate="print"/>
-          <a:srcRect/>
-          <a:stretch>
-            <a:fillRect/>
-          </a:stretch>
-        </p:blipFill>
-        <p:spPr bwMode="auto">
-          <a:xfrm>
-            <a:off x="539552" y="4077072"/>
-            <a:ext cx="3312368" cy="2276872"/>
-          </a:xfrm>
-          <a:prstGeom prst="rect">
-            <a:avLst/>
-          </a:prstGeom>
-          <a:noFill/>
-          <a:ln w="9525">
-            <a:noFill/>
-            <a:miter lim="800000"/>
-            <a:headEnd/>
-            <a:tailEnd/>
-          </a:ln>
-        </p:spPr>
-      </p:pic>
-      <p:pic>
-        <p:nvPicPr>
-          <p:cNvPr id="14" name="Picture 2" descr="C:\Users\CXXY\Desktop\ml\ROC.png"/>
-          <p:cNvPicPr>
-            <a:picLocks noChangeAspect="1" noChangeArrowheads="1"/>
-          </p:cNvPicPr>
-          <p:nvPr/>
-        </p:nvPicPr>
-        <p:blipFill>
-          <a:blip r:embed="rId5" cstate="print"/>
-          <a:srcRect/>
-          <a:stretch>
-            <a:fillRect/>
-          </a:stretch>
-        </p:blipFill>
-        <p:spPr bwMode="auto">
-          <a:xfrm>
-            <a:off x="4932040" y="4077072"/>
-            <a:ext cx="3528392" cy="2352261"/>
-          </a:xfrm>
-          <a:prstGeom prst="rect">
-            <a:avLst/>
-          </a:prstGeom>
-          <a:noFill/>
-        </p:spPr>
-      </p:pic>
-      <p:sp>
-        <p:nvSpPr>
-          <p:cNvPr id="15" name="Номер слайда 14"/>
-          <p:cNvSpPr>
-            <a:spLocks noGrp="1"/>
-          </p:cNvSpPr>
-          <p:nvPr>
-            <p:ph type="sldNum" sz="quarter" idx="12"/>
-          </p:nvPr>
-        </p:nvSpPr>
-        <p:spPr/>
-        <p:txBody>
-          <a:bodyPr/>
-          <a:lstStyle/>
-          <a:p>
-            <a:fld id="{1A362FB9-0C60-4673-AD56-DE00B5C40EDA}" type="slidenum">
-              <a:rPr lang="ru-RU" smtClean="0"/>
-              <a:pPr/>
-              <a:t>13</a:t>
-            </a:fld>
-            <a:endParaRPr lang="ru-RU"/>
-          </a:p>
-        </p:txBody>
-      </p:sp>
     </p:spTree>
   </p:cSld>
   <p:clrMapOvr>
@@ -6434,18 +6278,19 @@
             <p:ph type="title"/>
           </p:nvPr>
         </p:nvSpPr>
-        <p:spPr/>
+        <p:spPr>
+          <a:xfrm>
+            <a:off x="467544" y="620688"/>
+            <a:ext cx="8229600" cy="1066800"/>
+          </a:xfrm>
+        </p:spPr>
         <p:txBody>
           <a:bodyPr/>
           <a:lstStyle/>
           <a:p>
             <a:r>
-              <a:rPr lang="ru-RU" dirty="0" smtClean="0"/>
-              <a:t>Графики </a:t>
-            </a:r>
-            <a:r>
               <a:rPr lang="en-US" dirty="0" smtClean="0"/>
-              <a:t>FMR </a:t>
+              <a:t>DET </a:t>
             </a:r>
             <a:r>
               <a:rPr lang="ru-RU" dirty="0" smtClean="0"/>
@@ -6453,105 +6298,25 @@
             </a:r>
             <a:r>
               <a:rPr lang="en-US" dirty="0" smtClean="0"/>
-              <a:t>FNMR</a:t>
+              <a:t>ROC </a:t>
+            </a:r>
+            <a:r>
+              <a:rPr lang="ru-RU" dirty="0" smtClean="0"/>
+              <a:t>кривые</a:t>
             </a:r>
             <a:endParaRPr lang="ru-RU" dirty="0"/>
-          </a:p>
-        </p:txBody>
-      </p:sp>
-      <p:sp>
-        <p:nvSpPr>
-          <p:cNvPr id="4" name="TextBox 3"/>
-          <p:cNvSpPr txBox="1"/>
-          <p:nvPr/>
-        </p:nvSpPr>
-        <p:spPr>
-          <a:xfrm>
-            <a:off x="827584" y="5517232"/>
-            <a:ext cx="3312368" cy="338554"/>
-          </a:xfrm>
-          <a:prstGeom prst="rect">
-            <a:avLst/>
-          </a:prstGeom>
-          <a:noFill/>
-        </p:spPr>
-        <p:txBody>
-          <a:bodyPr wrap="square" rtlCol="0">
-            <a:spAutoFit/>
-          </a:bodyPr>
-          <a:lstStyle/>
-          <a:p>
-            <a:pPr algn="ctr"/>
-            <a:r>
-              <a:rPr lang="ru-RU" sz="1600" dirty="0" smtClean="0">
-                <a:latin typeface="Times New Roman" pitchFamily="18" charset="0"/>
-                <a:cs typeface="Times New Roman" pitchFamily="18" charset="0"/>
-              </a:rPr>
-              <a:t>График для </a:t>
-            </a:r>
-            <a:r>
-              <a:rPr lang="en-US" sz="1600" dirty="0" smtClean="0">
-                <a:latin typeface="Times New Roman" pitchFamily="18" charset="0"/>
-                <a:cs typeface="Times New Roman" pitchFamily="18" charset="0"/>
-              </a:rPr>
-              <a:t>ResNet18</a:t>
-            </a:r>
-            <a:endParaRPr lang="ru-RU" sz="1600" dirty="0">
-              <a:latin typeface="Times New Roman" pitchFamily="18" charset="0"/>
-              <a:cs typeface="Times New Roman" pitchFamily="18" charset="0"/>
-            </a:endParaRPr>
-          </a:p>
-        </p:txBody>
-      </p:sp>
-      <p:sp>
-        <p:nvSpPr>
-          <p:cNvPr id="5" name="TextBox 4"/>
-          <p:cNvSpPr txBox="1"/>
-          <p:nvPr/>
-        </p:nvSpPr>
-        <p:spPr>
-          <a:xfrm>
-            <a:off x="5436096" y="5517232"/>
-            <a:ext cx="3312368" cy="338554"/>
-          </a:xfrm>
-          <a:prstGeom prst="rect">
-            <a:avLst/>
-          </a:prstGeom>
-          <a:noFill/>
-        </p:spPr>
-        <p:txBody>
-          <a:bodyPr wrap="square" rtlCol="0">
-            <a:spAutoFit/>
-          </a:bodyPr>
-          <a:lstStyle/>
-          <a:p>
-            <a:pPr algn="ctr"/>
-            <a:r>
-              <a:rPr lang="ru-RU" sz="1600" dirty="0" smtClean="0">
-                <a:latin typeface="Times New Roman" pitchFamily="18" charset="0"/>
-                <a:cs typeface="Times New Roman" pitchFamily="18" charset="0"/>
-              </a:rPr>
-              <a:t>График для </a:t>
-            </a:r>
-            <a:r>
-              <a:rPr lang="en-US" sz="1600" dirty="0" smtClean="0">
-                <a:latin typeface="Times New Roman" pitchFamily="18" charset="0"/>
-                <a:cs typeface="Times New Roman" pitchFamily="18" charset="0"/>
-              </a:rPr>
-              <a:t>ResNet34</a:t>
-            </a:r>
-            <a:endParaRPr lang="ru-RU" sz="1600" dirty="0">
-              <a:latin typeface="Times New Roman" pitchFamily="18" charset="0"/>
-              <a:cs typeface="Times New Roman" pitchFamily="18" charset="0"/>
-            </a:endParaRPr>
           </a:p>
         </p:txBody>
       </p:sp>
       <p:pic>
         <p:nvPicPr>
-          <p:cNvPr id="10" name="Рисунок 9" descr="FMR and FNMR curves (A)"/>
-          <p:cNvPicPr/>
-          <p:nvPr/>
+          <p:cNvPr id="5" name="Содержимое 4" descr="DET"/>
+          <p:cNvPicPr>
+            <a:picLocks noGrp="1"/>
+          </p:cNvPicPr>
+          <p:nvPr>
+            <p:ph idx="1"/>
+          </p:nvPr>
         </p:nvPicPr>
         <p:blipFill>
           <a:blip r:embed="rId2" cstate="print"/>
@@ -6562,8 +6327,8 @@
         </p:blipFill>
         <p:spPr bwMode="auto">
           <a:xfrm>
-            <a:off x="4932000" y="2564904"/>
-            <a:ext cx="4212000" cy="2808000"/>
+            <a:off x="539552" y="1556792"/>
+            <a:ext cx="3275896" cy="2303944"/>
           </a:xfrm>
           <a:prstGeom prst="rect">
             <a:avLst/>
@@ -6577,9 +6342,111 @@
           </a:ln>
         </p:spPr>
       </p:pic>
+      <p:sp>
+        <p:nvSpPr>
+          <p:cNvPr id="6" name="TextBox 5"/>
+          <p:cNvSpPr txBox="1"/>
+          <p:nvPr/>
+        </p:nvSpPr>
+        <p:spPr>
+          <a:xfrm>
+            <a:off x="456743" y="3819359"/>
+            <a:ext cx="3395177" cy="338554"/>
+          </a:xfrm>
+          <a:prstGeom prst="rect">
+            <a:avLst/>
+          </a:prstGeom>
+          <a:noFill/>
+        </p:spPr>
+        <p:txBody>
+          <a:bodyPr wrap="square" rtlCol="0">
+            <a:spAutoFit/>
+          </a:bodyPr>
+          <a:lstStyle/>
+          <a:p>
+            <a:pPr algn="ctr"/>
+            <a:r>
+              <a:rPr lang="en-US" sz="1600" dirty="0" smtClean="0">
+                <a:latin typeface="Times New Roman" pitchFamily="18" charset="0"/>
+                <a:cs typeface="Times New Roman" pitchFamily="18" charset="0"/>
+              </a:rPr>
+              <a:t>DET-</a:t>
+            </a:r>
+            <a:r>
+              <a:rPr lang="ru-RU" sz="1600" dirty="0" smtClean="0">
+                <a:latin typeface="Times New Roman" pitchFamily="18" charset="0"/>
+                <a:cs typeface="Times New Roman" pitchFamily="18" charset="0"/>
+              </a:rPr>
+              <a:t>кривая для </a:t>
+            </a:r>
+            <a:r>
+              <a:rPr lang="en-US" sz="1600" dirty="0" smtClean="0">
+                <a:latin typeface="Times New Roman" pitchFamily="18" charset="0"/>
+                <a:cs typeface="Times New Roman" pitchFamily="18" charset="0"/>
+              </a:rPr>
+              <a:t>ResNet18</a:t>
+            </a:r>
+            <a:endParaRPr lang="ru-RU" sz="1600" dirty="0">
+              <a:latin typeface="Times New Roman" pitchFamily="18" charset="0"/>
+              <a:cs typeface="Times New Roman" pitchFamily="18" charset="0"/>
+            </a:endParaRPr>
+          </a:p>
+        </p:txBody>
+      </p:sp>
+      <p:sp>
+        <p:nvSpPr>
+          <p:cNvPr id="8" name="TextBox 7"/>
+          <p:cNvSpPr txBox="1"/>
+          <p:nvPr/>
+        </p:nvSpPr>
+        <p:spPr>
+          <a:xfrm>
+            <a:off x="5364088" y="3789040"/>
+            <a:ext cx="2952328" cy="338554"/>
+          </a:xfrm>
+          <a:prstGeom prst="rect">
+            <a:avLst/>
+          </a:prstGeom>
+          <a:noFill/>
+        </p:spPr>
+        <p:txBody>
+          <a:bodyPr wrap="square" rtlCol="0">
+            <a:spAutoFit/>
+          </a:bodyPr>
+          <a:lstStyle/>
+          <a:p>
+            <a:pPr algn="ctr"/>
+            <a:r>
+              <a:rPr lang="en-US" sz="1600" dirty="0" smtClean="0">
+                <a:latin typeface="Times New Roman" pitchFamily="18" charset="0"/>
+                <a:cs typeface="Times New Roman" pitchFamily="18" charset="0"/>
+              </a:rPr>
+              <a:t>DET-</a:t>
+            </a:r>
+            <a:r>
+              <a:rPr lang="ru-RU" sz="1600" dirty="0" smtClean="0">
+                <a:latin typeface="Times New Roman" pitchFamily="18" charset="0"/>
+                <a:cs typeface="Times New Roman" pitchFamily="18" charset="0"/>
+              </a:rPr>
+              <a:t>кривая для </a:t>
+            </a:r>
+            <a:r>
+              <a:rPr lang="en-US" sz="1600" dirty="0" smtClean="0">
+                <a:latin typeface="Times New Roman" pitchFamily="18" charset="0"/>
+                <a:cs typeface="Times New Roman" pitchFamily="18" charset="0"/>
+              </a:rPr>
+              <a:t>ResNet34</a:t>
+            </a:r>
+            <a:endParaRPr lang="ru-RU" sz="1600" dirty="0">
+              <a:latin typeface="Times New Roman" pitchFamily="18" charset="0"/>
+              <a:cs typeface="Times New Roman" pitchFamily="18" charset="0"/>
+            </a:endParaRPr>
+          </a:p>
+        </p:txBody>
+      </p:sp>
       <p:pic>
         <p:nvPicPr>
-          <p:cNvPr id="40962" name="Picture 2" descr="C:\Users\CXXY\Desktop\ml\FMR and FNMR curves (A).png"/>
+          <p:cNvPr id="4097" name="Picture 1" descr="C:\Users\CXXY\Desktop\ml\DET.png"/>
           <p:cNvPicPr>
             <a:picLocks noChangeAspect="1" noChangeArrowheads="1"/>
           </p:cNvPicPr>
@@ -6594,8 +6461,8 @@
         </p:blipFill>
         <p:spPr bwMode="auto">
           <a:xfrm>
-            <a:off x="323528" y="2564904"/>
-            <a:ext cx="4212001" cy="2808000"/>
+            <a:off x="4968128" y="1556848"/>
+            <a:ext cx="3456300" cy="2304200"/>
           </a:xfrm>
           <a:prstGeom prst="rect">
             <a:avLst/>
@@ -6605,7 +6472,165 @@
       </p:pic>
       <p:sp>
         <p:nvSpPr>
-          <p:cNvPr id="9" name="Номер слайда 8"/>
+          <p:cNvPr id="11" name="TextBox 10"/>
+          <p:cNvSpPr txBox="1"/>
+          <p:nvPr/>
+        </p:nvSpPr>
+        <p:spPr>
+          <a:xfrm>
+            <a:off x="827584" y="6381328"/>
+            <a:ext cx="2859344" cy="338554"/>
+          </a:xfrm>
+          <a:prstGeom prst="rect">
+            <a:avLst/>
+          </a:prstGeom>
+          <a:noFill/>
+        </p:spPr>
+        <p:txBody>
+          <a:bodyPr wrap="square" rtlCol="0">
+            <a:spAutoFit/>
+          </a:bodyPr>
+          <a:lstStyle/>
+          <a:p>
+            <a:pPr algn="ctr"/>
+            <a:r>
+              <a:rPr lang="en-US" sz="1600" dirty="0" smtClean="0">
+                <a:latin typeface="Times New Roman" pitchFamily="18" charset="0"/>
+                <a:cs typeface="Times New Roman" pitchFamily="18" charset="0"/>
+              </a:rPr>
+              <a:t>ROC-</a:t>
+            </a:r>
+            <a:r>
+              <a:rPr lang="ru-RU" sz="1600" dirty="0" smtClean="0">
+                <a:latin typeface="Times New Roman" pitchFamily="18" charset="0"/>
+                <a:cs typeface="Times New Roman" pitchFamily="18" charset="0"/>
+              </a:rPr>
+              <a:t>кривая для </a:t>
+            </a:r>
+            <a:r>
+              <a:rPr lang="en-US" sz="1600" dirty="0" smtClean="0">
+                <a:latin typeface="Times New Roman" pitchFamily="18" charset="0"/>
+                <a:cs typeface="Times New Roman" pitchFamily="18" charset="0"/>
+              </a:rPr>
+              <a:t>ResNet18</a:t>
+            </a:r>
+            <a:endParaRPr lang="ru-RU" sz="1600" dirty="0">
+              <a:latin typeface="Times New Roman" pitchFamily="18" charset="0"/>
+              <a:cs typeface="Times New Roman" pitchFamily="18" charset="0"/>
+            </a:endParaRPr>
+          </a:p>
+        </p:txBody>
+      </p:sp>
+      <p:sp>
+        <p:nvSpPr>
+          <p:cNvPr id="12" name="TextBox 11"/>
+          <p:cNvSpPr txBox="1"/>
+          <p:nvPr/>
+        </p:nvSpPr>
+        <p:spPr>
+          <a:xfrm>
+            <a:off x="5292080" y="6381328"/>
+            <a:ext cx="2859344" cy="338554"/>
+          </a:xfrm>
+          <a:prstGeom prst="rect">
+            <a:avLst/>
+          </a:prstGeom>
+          <a:noFill/>
+        </p:spPr>
+        <p:txBody>
+          <a:bodyPr wrap="square" rtlCol="0">
+            <a:spAutoFit/>
+          </a:bodyPr>
+          <a:lstStyle/>
+          <a:p>
+            <a:pPr algn="ctr"/>
+            <a:r>
+              <a:rPr lang="en-US" sz="1600" dirty="0" smtClean="0">
+                <a:latin typeface="Times New Roman" pitchFamily="18" charset="0"/>
+                <a:cs typeface="Times New Roman" pitchFamily="18" charset="0"/>
+              </a:rPr>
+              <a:t>ROC-</a:t>
+            </a:r>
+            <a:r>
+              <a:rPr lang="ru-RU" sz="1600" dirty="0" smtClean="0">
+                <a:latin typeface="Times New Roman" pitchFamily="18" charset="0"/>
+                <a:cs typeface="Times New Roman" pitchFamily="18" charset="0"/>
+              </a:rPr>
+              <a:t>кривая для </a:t>
+            </a:r>
+            <a:r>
+              <a:rPr lang="en-US" sz="1600" dirty="0" smtClean="0">
+                <a:latin typeface="Times New Roman" pitchFamily="18" charset="0"/>
+                <a:cs typeface="Times New Roman" pitchFamily="18" charset="0"/>
+              </a:rPr>
+              <a:t>ResNet34</a:t>
+            </a:r>
+            <a:endParaRPr lang="ru-RU" sz="1600" dirty="0">
+              <a:latin typeface="Times New Roman" pitchFamily="18" charset="0"/>
+              <a:cs typeface="Times New Roman" pitchFamily="18" charset="0"/>
+            </a:endParaRPr>
+          </a:p>
+        </p:txBody>
+      </p:sp>
+      <p:pic>
+        <p:nvPicPr>
+          <p:cNvPr id="13" name="Рисунок 12" descr="ROC"/>
+          <p:cNvPicPr/>
+          <p:nvPr/>
+        </p:nvPicPr>
+        <p:blipFill>
+          <a:blip r:embed="rId4" cstate="print"/>
+          <a:srcRect/>
+          <a:stretch>
+            <a:fillRect/>
+          </a:stretch>
+        </p:blipFill>
+        <p:spPr bwMode="auto">
+          <a:xfrm>
+            <a:off x="539552" y="4077072"/>
+            <a:ext cx="3312368" cy="2276872"/>
+          </a:xfrm>
+          <a:prstGeom prst="rect">
+            <a:avLst/>
+          </a:prstGeom>
+          <a:noFill/>
+          <a:ln w="9525">
+            <a:noFill/>
+            <a:miter lim="800000"/>
+            <a:headEnd/>
+            <a:tailEnd/>
+          </a:ln>
+        </p:spPr>
+      </p:pic>
+      <p:pic>
+        <p:nvPicPr>
+          <p:cNvPr id="14" name="Picture 2" descr="C:\Users\CXXY\Desktop\ml\ROC.png"/>
+          <p:cNvPicPr>
+            <a:picLocks noChangeAspect="1" noChangeArrowheads="1"/>
+          </p:cNvPicPr>
+          <p:nvPr/>
+        </p:nvPicPr>
+        <p:blipFill>
+          <a:blip r:embed="rId5" cstate="print"/>
+          <a:srcRect/>
+          <a:stretch>
+            <a:fillRect/>
+          </a:stretch>
+        </p:blipFill>
+        <p:spPr bwMode="auto">
+          <a:xfrm>
+            <a:off x="4932040" y="4077072"/>
+            <a:ext cx="3528392" cy="2352261"/>
+          </a:xfrm>
+          <a:prstGeom prst="rect">
+            <a:avLst/>
+          </a:prstGeom>
+          <a:noFill/>
+        </p:spPr>
+      </p:pic>
+      <p:sp>
+        <p:nvSpPr>
+          <p:cNvPr id="15" name="Номер слайда 14"/>
           <p:cNvSpPr>
             <a:spLocks noGrp="1"/>
           </p:cNvSpPr>
@@ -6632,6 +6657,13 @@
   <p:clrMapOvr>
     <a:masterClrMapping/>
   </p:clrMapOvr>
+  <p:timing>
+    <p:tnLst>
+      <p:par>
+        <p:cTn id="1" dur="indefinite" restart="never" nodeType="tmRoot"/>
+      </p:par>
+    </p:tnLst>
+  </p:timing>
 </p:sld>
 </file>
 
@@ -6662,105 +6694,69 @@
             <p:ph type="title"/>
           </p:nvPr>
         </p:nvSpPr>
+        <p:spPr/>
+        <p:txBody>
+          <a:bodyPr/>
+          <a:lstStyle/>
+          <a:p>
+            <a:r>
+              <a:rPr lang="ru-RU" dirty="0" smtClean="0"/>
+              <a:t>Графики </a:t>
+            </a:r>
+            <a:r>
+              <a:rPr lang="en-US" dirty="0" smtClean="0"/>
+              <a:t>FMR </a:t>
+            </a:r>
+            <a:r>
+              <a:rPr lang="ru-RU" dirty="0" smtClean="0"/>
+              <a:t>и </a:t>
+            </a:r>
+            <a:r>
+              <a:rPr lang="en-US" dirty="0" smtClean="0"/>
+              <a:t>FNMR</a:t>
+            </a:r>
+            <a:endParaRPr lang="ru-RU" dirty="0"/>
+          </a:p>
+        </p:txBody>
+      </p:sp>
+      <p:sp>
+        <p:nvSpPr>
+          <p:cNvPr id="4" name="TextBox 3"/>
+          <p:cNvSpPr txBox="1"/>
+          <p:nvPr/>
+        </p:nvSpPr>
         <p:spPr>
           <a:xfrm>
-            <a:off x="467544" y="764704"/>
-            <a:ext cx="8229600" cy="1066800"/>
-          </a:xfrm>
-        </p:spPr>
-        <p:txBody>
-          <a:bodyPr/>
-          <a:lstStyle/>
-          <a:p>
-            <a:r>
-              <a:rPr lang="ru-RU" dirty="0" smtClean="0"/>
-              <a:t>Заключение</a:t>
-            </a:r>
-            <a:endParaRPr lang="ru-RU" dirty="0"/>
-          </a:p>
-        </p:txBody>
-      </p:sp>
-      <p:sp>
-        <p:nvSpPr>
-          <p:cNvPr id="3" name="Содержимое 2"/>
-          <p:cNvSpPr>
-            <a:spLocks noGrp="1"/>
-          </p:cNvSpPr>
-          <p:nvPr>
-            <p:ph idx="1"/>
-          </p:nvPr>
-        </p:nvSpPr>
-        <p:spPr>
-          <a:xfrm>
-            <a:off x="467544" y="1700808"/>
-            <a:ext cx="8219256" cy="5328592"/>
-          </a:xfrm>
-        </p:spPr>
-        <p:txBody>
-          <a:bodyPr>
-            <a:normAutofit fontScale="55000" lnSpcReduction="20000"/>
+            <a:off x="827584" y="5517232"/>
+            <a:ext cx="3312368" cy="338554"/>
+          </a:xfrm>
+          <a:prstGeom prst="rect">
+            <a:avLst/>
+          </a:prstGeom>
+          <a:noFill/>
+        </p:spPr>
+        <p:txBody>
+          <a:bodyPr wrap="square" rtlCol="0">
+            <a:spAutoFit/>
           </a:bodyPr>
           <a:lstStyle/>
           <a:p>
-            <a:pPr indent="450000" algn="just">
-              <a:lnSpc>
-                <a:spcPct val="120000"/>
-              </a:lnSpc>
-            </a:pPr>
-            <a:r>
-              <a:rPr lang="ru-RU" dirty="0" smtClean="0"/>
-              <a:t>Реализован аппаратный комплекс для экстракции венозной структуры руки при ее присутствии над устройством. Для этого была использована аппаратная платформа Arduino с использованием ультразвукового датчика расстояния. </a:t>
-            </a:r>
-          </a:p>
-          <a:p>
-            <a:pPr indent="450000" algn="just">
-              <a:lnSpc>
-                <a:spcPct val="120000"/>
-              </a:lnSpc>
-            </a:pPr>
-            <a:r>
-              <a:rPr lang="ru-RU" dirty="0" smtClean="0"/>
-              <a:t>Разработано программное обеспечение для извлечения области интереса с целью дальнейшего ее использования в качестве входного вектора признаков как в </a:t>
-            </a:r>
-            <a:r>
-              <a:rPr lang="ru-RU" dirty="0" err="1" smtClean="0"/>
-              <a:t>нейросетевой</a:t>
-            </a:r>
-            <a:r>
-              <a:rPr lang="ru-RU" dirty="0" smtClean="0"/>
-              <a:t> модели, так и в задаче алгоритмического сравнения профилей. Реализована методология предварительной обработки входного изображения для выделения венозной структуры ладони. </a:t>
-            </a:r>
-          </a:p>
-          <a:p>
-            <a:pPr indent="450000" algn="just">
-              <a:lnSpc>
-                <a:spcPct val="120000"/>
-              </a:lnSpc>
-            </a:pPr>
-            <a:r>
-              <a:rPr lang="ru-RU" dirty="0" smtClean="0"/>
-              <a:t>Разработан алгоритм сравнения полученных векторов признаков с существующими шаблонами пользователей путем использования алгоритмов сравнения дескрипторов изображений, а так же использования функции хеширования изображений. Данный алгоритм рекомендуется применять в системах с небольшим числом пользователей ввиду того, что вычислительные операции применяются в параллельном режиме и весьма ресурсоемки. </a:t>
-            </a:r>
-          </a:p>
-          <a:p>
-            <a:pPr indent="450000" algn="just">
-              <a:lnSpc>
-                <a:spcPct val="120000"/>
-              </a:lnSpc>
-            </a:pPr>
-            <a:r>
-              <a:rPr lang="ru-RU" dirty="0" smtClean="0"/>
-              <a:t>Обучены и сравнены </a:t>
-            </a:r>
-            <a:r>
-              <a:rPr lang="ru-RU" dirty="0" err="1" smtClean="0"/>
-              <a:t>нейросетевые</a:t>
-            </a:r>
-            <a:r>
-              <a:rPr lang="ru-RU" dirty="0" smtClean="0"/>
-              <a:t> модели ResNet18 и ResNet34 на базе данных, содержащих 300 пользователей и 6000 изображений для симуляции системы верификации с большим числом пользователей. EER составило 20% и 19% соответственно.</a:t>
-            </a:r>
-            <a:endParaRPr lang="ru-RU" dirty="0">
+            <a:pPr algn="ctr"/>
+            <a:r>
+              <a:rPr lang="ru-RU" sz="1600" dirty="0" smtClean="0">
+                <a:latin typeface="Times New Roman" pitchFamily="18" charset="0"/>
+                <a:cs typeface="Times New Roman" pitchFamily="18" charset="0"/>
+              </a:rPr>
+              <a:t>График для </a:t>
+            </a:r>
+            <a:r>
+              <a:rPr lang="en-US" sz="1600" dirty="0" smtClean="0">
+                <a:latin typeface="Times New Roman" pitchFamily="18" charset="0"/>
+                <a:cs typeface="Times New Roman" pitchFamily="18" charset="0"/>
+              </a:rPr>
+              <a:t>ResNet18</a:t>
+            </a:r>
+            <a:endParaRPr lang="ru-RU" sz="1600" dirty="0">
               <a:latin typeface="Times New Roman" pitchFamily="18" charset="0"/>
               <a:cs typeface="Times New Roman" pitchFamily="18" charset="0"/>
             </a:endParaRPr>
@@ -6769,7 +6765,107 @@
       </p:sp>
       <p:sp>
         <p:nvSpPr>
-          <p:cNvPr id="4" name="Номер слайда 3"/>
+          <p:cNvPr id="5" name="TextBox 4"/>
+          <p:cNvSpPr txBox="1"/>
+          <p:nvPr/>
+        </p:nvSpPr>
+        <p:spPr>
+          <a:xfrm>
+            <a:off x="5436096" y="5517232"/>
+            <a:ext cx="3312368" cy="338554"/>
+          </a:xfrm>
+          <a:prstGeom prst="rect">
+            <a:avLst/>
+          </a:prstGeom>
+          <a:noFill/>
+        </p:spPr>
+        <p:txBody>
+          <a:bodyPr wrap="square" rtlCol="0">
+            <a:spAutoFit/>
+          </a:bodyPr>
+          <a:lstStyle/>
+          <a:p>
+            <a:pPr algn="ctr"/>
+            <a:r>
+              <a:rPr lang="ru-RU" sz="1600" dirty="0" smtClean="0">
+                <a:latin typeface="Times New Roman" pitchFamily="18" charset="0"/>
+                <a:cs typeface="Times New Roman" pitchFamily="18" charset="0"/>
+              </a:rPr>
+              <a:t>График для </a:t>
+            </a:r>
+            <a:r>
+              <a:rPr lang="en-US" sz="1600" dirty="0" smtClean="0">
+                <a:latin typeface="Times New Roman" pitchFamily="18" charset="0"/>
+                <a:cs typeface="Times New Roman" pitchFamily="18" charset="0"/>
+              </a:rPr>
+              <a:t>ResNet34</a:t>
+            </a:r>
+            <a:endParaRPr lang="ru-RU" sz="1600" dirty="0">
+              <a:latin typeface="Times New Roman" pitchFamily="18" charset="0"/>
+              <a:cs typeface="Times New Roman" pitchFamily="18" charset="0"/>
+            </a:endParaRPr>
+          </a:p>
+        </p:txBody>
+      </p:sp>
+      <p:pic>
+        <p:nvPicPr>
+          <p:cNvPr id="10" name="Рисунок 9" descr="FMR and FNMR curves (A)"/>
+          <p:cNvPicPr/>
+          <p:nvPr/>
+        </p:nvPicPr>
+        <p:blipFill>
+          <a:blip r:embed="rId2" cstate="print"/>
+          <a:srcRect/>
+          <a:stretch>
+            <a:fillRect/>
+          </a:stretch>
+        </p:blipFill>
+        <p:spPr bwMode="auto">
+          <a:xfrm>
+            <a:off x="4932000" y="2564904"/>
+            <a:ext cx="4212000" cy="2808000"/>
+          </a:xfrm>
+          <a:prstGeom prst="rect">
+            <a:avLst/>
+          </a:prstGeom>
+          <a:noFill/>
+          <a:ln w="9525">
+            <a:noFill/>
+            <a:miter lim="800000"/>
+            <a:headEnd/>
+            <a:tailEnd/>
+          </a:ln>
+        </p:spPr>
+      </p:pic>
+      <p:pic>
+        <p:nvPicPr>
+          <p:cNvPr id="40962" name="Picture 2" descr="C:\Users\CXXY\Desktop\ml\FMR and FNMR curves (A).png"/>
+          <p:cNvPicPr>
+            <a:picLocks noChangeAspect="1" noChangeArrowheads="1"/>
+          </p:cNvPicPr>
+          <p:nvPr/>
+        </p:nvPicPr>
+        <p:blipFill>
+          <a:blip r:embed="rId3" cstate="print"/>
+          <a:srcRect/>
+          <a:stretch>
+            <a:fillRect/>
+          </a:stretch>
+        </p:blipFill>
+        <p:spPr bwMode="auto">
+          <a:xfrm>
+            <a:off x="323528" y="2564904"/>
+            <a:ext cx="4212001" cy="2808000"/>
+          </a:xfrm>
+          <a:prstGeom prst="rect">
+            <a:avLst/>
+          </a:prstGeom>
+          <a:noFill/>
+        </p:spPr>
+      </p:pic>
+      <p:sp>
+        <p:nvSpPr>
+          <p:cNvPr id="9" name="Номер слайда 8"/>
           <p:cNvSpPr>
             <a:spLocks noGrp="1"/>
           </p:cNvSpPr>
@@ -6796,6 +6892,308 @@
   <p:clrMapOvr>
     <a:masterClrMapping/>
   </p:clrMapOvr>
+  <p:timing>
+    <p:tnLst>
+      <p:par>
+        <p:cTn id="1" dur="indefinite" restart="never" nodeType="tmRoot"/>
+      </p:par>
+    </p:tnLst>
+  </p:timing>
+</p:sld>
+</file>
+
+<file path=ppt/slides/slide16.xml><?xml version="1.0" encoding="utf-8"?>
+<p:sld xmlns:a="http://schemas.openxmlformats.org/drawingml/2006/main" xmlns:r="http://schemas.openxmlformats.org/officeDocument/2006/relationships" xmlns:p="http://schemas.openxmlformats.org/presentationml/2006/main">
+  <p:cSld>
+    <p:spTree>
+      <p:nvGrpSpPr>
+        <p:cNvPr id="1" name=""/>
+        <p:cNvGrpSpPr/>
+        <p:nvPr/>
+      </p:nvGrpSpPr>
+      <p:grpSpPr>
+        <a:xfrm>
+          <a:off x="0" y="0"/>
+          <a:ext cx="0" cy="0"/>
+          <a:chOff x="0" y="0"/>
+          <a:chExt cx="0" cy="0"/>
+        </a:xfrm>
+      </p:grpSpPr>
+      <p:sp>
+        <p:nvSpPr>
+          <p:cNvPr id="2" name="Заголовок 1"/>
+          <p:cNvSpPr>
+            <a:spLocks noGrp="1"/>
+          </p:cNvSpPr>
+          <p:nvPr>
+            <p:ph type="title"/>
+          </p:nvPr>
+        </p:nvSpPr>
+        <p:spPr>
+          <a:xfrm>
+            <a:off x="467544" y="764704"/>
+            <a:ext cx="8229600" cy="1066800"/>
+          </a:xfrm>
+        </p:spPr>
+        <p:txBody>
+          <a:bodyPr/>
+          <a:lstStyle/>
+          <a:p>
+            <a:r>
+              <a:rPr lang="ru-RU" dirty="0" smtClean="0"/>
+              <a:t>Заключение</a:t>
+            </a:r>
+            <a:endParaRPr lang="ru-RU" dirty="0"/>
+          </a:p>
+        </p:txBody>
+      </p:sp>
+      <p:sp>
+        <p:nvSpPr>
+          <p:cNvPr id="3" name="Содержимое 2"/>
+          <p:cNvSpPr>
+            <a:spLocks noGrp="1"/>
+          </p:cNvSpPr>
+          <p:nvPr>
+            <p:ph idx="1"/>
+          </p:nvPr>
+        </p:nvSpPr>
+        <p:spPr>
+          <a:xfrm>
+            <a:off x="467544" y="1700808"/>
+            <a:ext cx="8219256" cy="5328592"/>
+          </a:xfrm>
+        </p:spPr>
+        <p:txBody>
+          <a:bodyPr>
+            <a:normAutofit fontScale="55000" lnSpcReduction="20000"/>
+          </a:bodyPr>
+          <a:lstStyle/>
+          <a:p>
+            <a:pPr indent="450000" algn="just">
+              <a:lnSpc>
+                <a:spcPct val="120000"/>
+              </a:lnSpc>
+            </a:pPr>
+            <a:r>
+              <a:rPr lang="ru-RU" dirty="0" smtClean="0"/>
+              <a:t>Реализован аппаратный комплекс для экстракции венозной структуры руки при ее присутствии над устройством. Для этого была использована аппаратная платформа Arduino с использованием ультразвукового датчика расстояния. </a:t>
+            </a:r>
+          </a:p>
+          <a:p>
+            <a:pPr indent="450000" algn="just">
+              <a:lnSpc>
+                <a:spcPct val="120000"/>
+              </a:lnSpc>
+            </a:pPr>
+            <a:r>
+              <a:rPr lang="ru-RU" dirty="0" smtClean="0"/>
+              <a:t>Разработано программное обеспечение для извлечения области интереса с целью дальнейшего ее использования в качестве входного вектора признаков как в </a:t>
+            </a:r>
+            <a:r>
+              <a:rPr lang="ru-RU" dirty="0" err="1" smtClean="0"/>
+              <a:t>нейросетевой</a:t>
+            </a:r>
+            <a:r>
+              <a:rPr lang="ru-RU" dirty="0" smtClean="0"/>
+              <a:t> модели, так и в задаче алгоритмического сравнения профилей. Реализована методология предварительной обработки входного изображения для выделения венозной структуры ладони. </a:t>
+            </a:r>
+          </a:p>
+          <a:p>
+            <a:pPr indent="450000" algn="just">
+              <a:lnSpc>
+                <a:spcPct val="120000"/>
+              </a:lnSpc>
+            </a:pPr>
+            <a:r>
+              <a:rPr lang="ru-RU" dirty="0" smtClean="0"/>
+              <a:t>Разработан алгоритм сравнения полученных векторов признаков с существующими шаблонами пользователей путем использования алгоритмов сравнения дескрипторов изображений, а так же использования функции хеширования изображений. Данный алгоритм рекомендуется применять в системах с небольшим числом пользователей ввиду того, что вычислительные операции применяются в параллельном режиме и весьма ресурсоемки. </a:t>
+            </a:r>
+          </a:p>
+          <a:p>
+            <a:pPr indent="450000" algn="just">
+              <a:lnSpc>
+                <a:spcPct val="120000"/>
+              </a:lnSpc>
+            </a:pPr>
+            <a:r>
+              <a:rPr lang="ru-RU" dirty="0" smtClean="0"/>
+              <a:t>Обучены и сравнены </a:t>
+            </a:r>
+            <a:r>
+              <a:rPr lang="ru-RU" dirty="0" err="1" smtClean="0"/>
+              <a:t>нейросетевые</a:t>
+            </a:r>
+            <a:r>
+              <a:rPr lang="ru-RU" dirty="0" smtClean="0"/>
+              <a:t> модели ResNet18 и ResNet34 на базе данных, содержащих 300 пользователей и 6000 изображений для симуляции системы верификации с большим числом пользователей. EER составило 20% и 19% соответственно.</a:t>
+            </a:r>
+            <a:endParaRPr lang="ru-RU" dirty="0">
+              <a:latin typeface="Times New Roman" pitchFamily="18" charset="0"/>
+              <a:cs typeface="Times New Roman" pitchFamily="18" charset="0"/>
+            </a:endParaRPr>
+          </a:p>
+        </p:txBody>
+      </p:sp>
+      <p:sp>
+        <p:nvSpPr>
+          <p:cNvPr id="4" name="Номер слайда 3"/>
+          <p:cNvSpPr>
+            <a:spLocks noGrp="1"/>
+          </p:cNvSpPr>
+          <p:nvPr>
+            <p:ph type="sldNum" sz="quarter" idx="12"/>
+          </p:nvPr>
+        </p:nvSpPr>
+        <p:spPr/>
+        <p:txBody>
+          <a:bodyPr/>
+          <a:lstStyle/>
+          <a:p>
+            <a:fld id="{1A362FB9-0C60-4673-AD56-DE00B5C40EDA}" type="slidenum">
+              <a:rPr lang="ru-RU" smtClean="0"/>
+              <a:pPr/>
+              <a:t>16</a:t>
+            </a:fld>
+            <a:endParaRPr lang="ru-RU"/>
+          </a:p>
+        </p:txBody>
+      </p:sp>
+    </p:spTree>
+  </p:cSld>
+  <p:clrMapOvr>
+    <a:masterClrMapping/>
+  </p:clrMapOvr>
+  <p:timing>
+    <p:tnLst>
+      <p:par>
+        <p:cTn id="1" dur="indefinite" restart="never" nodeType="tmRoot"/>
+      </p:par>
+    </p:tnLst>
+  </p:timing>
+</p:sld>
+</file>
+
+<file path=ppt/slides/slide17.xml><?xml version="1.0" encoding="utf-8"?>
+<p:sld xmlns:a="http://schemas.openxmlformats.org/drawingml/2006/main" xmlns:r="http://schemas.openxmlformats.org/officeDocument/2006/relationships" xmlns:p="http://schemas.openxmlformats.org/presentationml/2006/main">
+  <p:cSld>
+    <p:spTree>
+      <p:nvGrpSpPr>
+        <p:cNvPr id="1" name=""/>
+        <p:cNvGrpSpPr/>
+        <p:nvPr/>
+      </p:nvGrpSpPr>
+      <p:grpSpPr>
+        <a:xfrm>
+          <a:off x="0" y="0"/>
+          <a:ext cx="0" cy="0"/>
+          <a:chOff x="0" y="0"/>
+          <a:chExt cx="0" cy="0"/>
+        </a:xfrm>
+      </p:grpSpPr>
+      <p:sp>
+        <p:nvSpPr>
+          <p:cNvPr id="2" name="Заголовок 1"/>
+          <p:cNvSpPr>
+            <a:spLocks noGrp="1"/>
+          </p:cNvSpPr>
+          <p:nvPr>
+            <p:ph type="title"/>
+          </p:nvPr>
+        </p:nvSpPr>
+        <p:spPr/>
+        <p:txBody>
+          <a:bodyPr/>
+          <a:lstStyle/>
+          <a:p>
+            <a:r>
+              <a:rPr lang="ru-RU" dirty="0" smtClean="0"/>
+              <a:t>Исходный код и ресурсы</a:t>
+            </a:r>
+            <a:endParaRPr lang="ru-RU" dirty="0"/>
+          </a:p>
+        </p:txBody>
+      </p:sp>
+      <p:sp>
+        <p:nvSpPr>
+          <p:cNvPr id="3" name="Содержимое 2"/>
+          <p:cNvSpPr>
+            <a:spLocks noGrp="1"/>
+          </p:cNvSpPr>
+          <p:nvPr>
+            <p:ph idx="1"/>
+          </p:nvPr>
+        </p:nvSpPr>
+        <p:spPr/>
+        <p:txBody>
+          <a:bodyPr/>
+          <a:lstStyle/>
+          <a:p>
+            <a:endParaRPr lang="ru-RU"/>
+          </a:p>
+        </p:txBody>
+      </p:sp>
+      <p:sp>
+        <p:nvSpPr>
+          <p:cNvPr id="4" name="Номер слайда 3"/>
+          <p:cNvSpPr>
+            <a:spLocks noGrp="1"/>
+          </p:cNvSpPr>
+          <p:nvPr>
+            <p:ph type="sldNum" sz="quarter" idx="12"/>
+          </p:nvPr>
+        </p:nvSpPr>
+        <p:spPr/>
+        <p:txBody>
+          <a:bodyPr/>
+          <a:lstStyle/>
+          <a:p>
+            <a:fld id="{1A362FB9-0C60-4673-AD56-DE00B5C40EDA}" type="slidenum">
+              <a:rPr lang="ru-RU" smtClean="0"/>
+              <a:pPr/>
+              <a:t>17</a:t>
+            </a:fld>
+            <a:endParaRPr lang="ru-RU"/>
+          </a:p>
+        </p:txBody>
+      </p:sp>
+      <p:pic>
+        <p:nvPicPr>
+          <p:cNvPr id="1026" name="Picture 2" descr="C:\Users\CXXY\Desktop\qr-code.gif"/>
+          <p:cNvPicPr>
+            <a:picLocks noChangeAspect="1" noChangeArrowheads="1"/>
+          </p:cNvPicPr>
+          <p:nvPr/>
+        </p:nvPicPr>
+        <p:blipFill>
+          <a:blip r:embed="rId2" cstate="print"/>
+          <a:srcRect/>
+          <a:stretch>
+            <a:fillRect/>
+          </a:stretch>
+        </p:blipFill>
+        <p:spPr bwMode="auto">
+          <a:xfrm>
+            <a:off x="2555776" y="2348880"/>
+            <a:ext cx="3905251" cy="3905250"/>
+          </a:xfrm>
+          <a:prstGeom prst="rect">
+            <a:avLst/>
+          </a:prstGeom>
+          <a:noFill/>
+        </p:spPr>
+      </p:pic>
+    </p:spTree>
+  </p:cSld>
+  <p:clrMapOvr>
+    <a:masterClrMapping/>
+  </p:clrMapOvr>
+  <p:timing>
+    <p:tnLst>
+      <p:par>
+        <p:cTn id="1" dur="indefinite" restart="never" nodeType="tmRoot"/>
+      </p:par>
+    </p:tnLst>
+  </p:timing>
 </p:sld>
 </file>
 
@@ -7056,6 +7454,13 @@
   <p:clrMapOvr>
     <a:masterClrMapping/>
   </p:clrMapOvr>
+  <p:timing>
+    <p:tnLst>
+      <p:par>
+        <p:cTn id="1" dur="indefinite" restart="never" nodeType="tmRoot"/>
+      </p:par>
+    </p:tnLst>
+  </p:timing>
 </p:sld>
 </file>
 
@@ -7241,6 +7646,13 @@
   <p:clrMapOvr>
     <a:masterClrMapping/>
   </p:clrMapOvr>
+  <p:timing>
+    <p:tnLst>
+      <p:par>
+        <p:cTn id="1" dur="indefinite" restart="never" nodeType="tmRoot"/>
+      </p:par>
+    </p:tnLst>
+  </p:timing>
 </p:sld>
 </file>
 
@@ -7677,6 +8089,13 @@
   <p:clrMapOvr>
     <a:masterClrMapping/>
   </p:clrMapOvr>
+  <p:timing>
+    <p:tnLst>
+      <p:par>
+        <p:cTn id="1" dur="indefinite" restart="never" nodeType="tmRoot"/>
+      </p:par>
+    </p:tnLst>
+  </p:timing>
 </p:sld>
 </file>
 
@@ -7802,6 +8221,13 @@
   <p:clrMapOvr>
     <a:masterClrMapping/>
   </p:clrMapOvr>
+  <p:timing>
+    <p:tnLst>
+      <p:par>
+        <p:cTn id="1" dur="indefinite" restart="never" nodeType="tmRoot"/>
+      </p:par>
+    </p:tnLst>
+  </p:timing>
 </p:sld>
 </file>
 
@@ -8440,6 +8866,13 @@
   <p:clrMapOvr>
     <a:masterClrMapping/>
   </p:clrMapOvr>
+  <p:timing>
+    <p:tnLst>
+      <p:par>
+        <p:cTn id="1" dur="indefinite" restart="never" nodeType="tmRoot"/>
+      </p:par>
+    </p:tnLst>
+  </p:timing>
 </p:sld>
 </file>
 
